--- a/figs/dags.pptx
+++ b/figs/dags.pptx
@@ -247,7 +247,7 @@
           <a:p>
             <a:fld id="{16FFB109-613B-42CD-8B11-AFCB87DCE02A}" type="datetimeFigureOut">
               <a:rPr lang="he-IL" smtClean="0"/>
-              <a:t>ג'/תמוז/תשע"ט</a:t>
+              <a:t>ה'/תמוז/תשע"ט</a:t>
             </a:fld>
             <a:endParaRPr lang="he-IL"/>
           </a:p>
@@ -417,7 +417,7 @@
           <a:p>
             <a:fld id="{16FFB109-613B-42CD-8B11-AFCB87DCE02A}" type="datetimeFigureOut">
               <a:rPr lang="he-IL" smtClean="0"/>
-              <a:t>ג'/תמוז/תשע"ט</a:t>
+              <a:t>ה'/תמוז/תשע"ט</a:t>
             </a:fld>
             <a:endParaRPr lang="he-IL"/>
           </a:p>
@@ -597,7 +597,7 @@
           <a:p>
             <a:fld id="{16FFB109-613B-42CD-8B11-AFCB87DCE02A}" type="datetimeFigureOut">
               <a:rPr lang="he-IL" smtClean="0"/>
-              <a:t>ג'/תמוז/תשע"ט</a:t>
+              <a:t>ה'/תמוז/תשע"ט</a:t>
             </a:fld>
             <a:endParaRPr lang="he-IL"/>
           </a:p>
@@ -767,7 +767,7 @@
           <a:p>
             <a:fld id="{16FFB109-613B-42CD-8B11-AFCB87DCE02A}" type="datetimeFigureOut">
               <a:rPr lang="he-IL" smtClean="0"/>
-              <a:t>ג'/תמוז/תשע"ט</a:t>
+              <a:t>ה'/תמוז/תשע"ט</a:t>
             </a:fld>
             <a:endParaRPr lang="he-IL"/>
           </a:p>
@@ -1013,7 +1013,7 @@
           <a:p>
             <a:fld id="{16FFB109-613B-42CD-8B11-AFCB87DCE02A}" type="datetimeFigureOut">
               <a:rPr lang="he-IL" smtClean="0"/>
-              <a:t>ג'/תמוז/תשע"ט</a:t>
+              <a:t>ה'/תמוז/תשע"ט</a:t>
             </a:fld>
             <a:endParaRPr lang="he-IL"/>
           </a:p>
@@ -1245,7 +1245,7 @@
           <a:p>
             <a:fld id="{16FFB109-613B-42CD-8B11-AFCB87DCE02A}" type="datetimeFigureOut">
               <a:rPr lang="he-IL" smtClean="0"/>
-              <a:t>ג'/תמוז/תשע"ט</a:t>
+              <a:t>ה'/תמוז/תשע"ט</a:t>
             </a:fld>
             <a:endParaRPr lang="he-IL"/>
           </a:p>
@@ -1612,7 +1612,7 @@
           <a:p>
             <a:fld id="{16FFB109-613B-42CD-8B11-AFCB87DCE02A}" type="datetimeFigureOut">
               <a:rPr lang="he-IL" smtClean="0"/>
-              <a:t>ג'/תמוז/תשע"ט</a:t>
+              <a:t>ה'/תמוז/תשע"ט</a:t>
             </a:fld>
             <a:endParaRPr lang="he-IL"/>
           </a:p>
@@ -1730,7 +1730,7 @@
           <a:p>
             <a:fld id="{16FFB109-613B-42CD-8B11-AFCB87DCE02A}" type="datetimeFigureOut">
               <a:rPr lang="he-IL" smtClean="0"/>
-              <a:t>ג'/תמוז/תשע"ט</a:t>
+              <a:t>ה'/תמוז/תשע"ט</a:t>
             </a:fld>
             <a:endParaRPr lang="he-IL"/>
           </a:p>
@@ -1825,7 +1825,7 @@
           <a:p>
             <a:fld id="{16FFB109-613B-42CD-8B11-AFCB87DCE02A}" type="datetimeFigureOut">
               <a:rPr lang="he-IL" smtClean="0"/>
-              <a:t>ג'/תמוז/תשע"ט</a:t>
+              <a:t>ה'/תמוז/תשע"ט</a:t>
             </a:fld>
             <a:endParaRPr lang="he-IL"/>
           </a:p>
@@ -2102,7 +2102,7 @@
           <a:p>
             <a:fld id="{16FFB109-613B-42CD-8B11-AFCB87DCE02A}" type="datetimeFigureOut">
               <a:rPr lang="he-IL" smtClean="0"/>
-              <a:t>ג'/תמוז/תשע"ט</a:t>
+              <a:t>ה'/תמוז/תשע"ט</a:t>
             </a:fld>
             <a:endParaRPr lang="he-IL"/>
           </a:p>
@@ -2355,7 +2355,7 @@
           <a:p>
             <a:fld id="{16FFB109-613B-42CD-8B11-AFCB87DCE02A}" type="datetimeFigureOut">
               <a:rPr lang="he-IL" smtClean="0"/>
-              <a:t>ג'/תמוז/תשע"ט</a:t>
+              <a:t>ה'/תמוז/תשע"ט</a:t>
             </a:fld>
             <a:endParaRPr lang="he-IL"/>
           </a:p>
@@ -2568,7 +2568,7 @@
           <a:p>
             <a:fld id="{16FFB109-613B-42CD-8B11-AFCB87DCE02A}" type="datetimeFigureOut">
               <a:rPr lang="he-IL" smtClean="0"/>
-              <a:t>ג'/תמוז/תשע"ט</a:t>
+              <a:t>ה'/תמוז/תשע"ט</a:t>
             </a:fld>
             <a:endParaRPr lang="he-IL"/>
           </a:p>
@@ -4270,7 +4270,7 @@
         </p:nvSpPr>
         <p:spPr>
           <a:xfrm>
-            <a:off x="2889954" y="2550495"/>
+            <a:off x="3946023" y="2550495"/>
             <a:ext cx="1241778" cy="1241778"/>
           </a:xfrm>
           <a:prstGeom prst="ellipse">
@@ -4363,7 +4363,7 @@
         </p:nvSpPr>
         <p:spPr>
           <a:xfrm>
-            <a:off x="2889954" y="2983906"/>
+            <a:off x="3946023" y="2983906"/>
             <a:ext cx="1264355" cy="369332"/>
           </a:xfrm>
           <a:prstGeom prst="rect">
@@ -4525,8 +4525,8 @@
         </p:nvCxnSpPr>
         <p:spPr>
           <a:xfrm>
-            <a:off x="4154309" y="3168572"/>
-            <a:ext cx="4154309" cy="0"/>
+            <a:off x="5210378" y="3168572"/>
+            <a:ext cx="3098240" cy="0"/>
           </a:xfrm>
           <a:prstGeom prst="straightConnector1">
             <a:avLst/>
@@ -4719,15 +4719,15 @@
         <p:nvCxnSpPr>
           <p:cNvPr id="20" name="מחבר חץ ישר 19"/>
           <p:cNvCxnSpPr>
-            <a:stCxn id="6" idx="4"/>
+            <a:stCxn id="6" idx="5"/>
             <a:endCxn id="4" idx="0"/>
           </p:cNvCxnSpPr>
           <p:nvPr/>
         </p:nvCxnSpPr>
         <p:spPr>
           <a:xfrm>
-            <a:off x="3510843" y="1806223"/>
-            <a:ext cx="0" cy="744272"/>
+            <a:off x="3949878" y="1624369"/>
+            <a:ext cx="617034" cy="926126"/>
           </a:xfrm>
           <a:prstGeom prst="straightConnector1">
             <a:avLst/>
@@ -4758,15 +4758,15 @@
         <p:nvCxnSpPr>
           <p:cNvPr id="23" name="מחבר חץ ישר 22"/>
           <p:cNvCxnSpPr>
-            <a:stCxn id="11" idx="0"/>
+            <a:stCxn id="11" idx="7"/>
             <a:endCxn id="4" idx="4"/>
           </p:cNvCxnSpPr>
           <p:nvPr/>
         </p:nvCxnSpPr>
         <p:spPr>
           <a:xfrm flipV="1">
-            <a:off x="3510843" y="3792273"/>
-            <a:ext cx="0" cy="822175"/>
+            <a:off x="3949878" y="3792273"/>
+            <a:ext cx="617034" cy="1004029"/>
           </a:xfrm>
           <a:prstGeom prst="straightConnector1">
             <a:avLst/>
